--- a/source/스터디_운영_규칙_v01.pptx
+++ b/source/스터디_운영_규칙_v01.pptx
@@ -260,7 +260,7 @@
           <a:p>
             <a:fld id="{65F8D415-7D22-DA4A-B0BE-C16EF89C99BF}" type="datetimeFigureOut">
               <a:rPr kumimoji="1" lang="ko-KR" altLang="en-US" smtClean="0"/>
-              <a:t>2025. 1. 25.</a:t>
+              <a:t>2025-02-07</a:t>
             </a:fld>
             <a:endParaRPr kumimoji="1" lang="ko-KR" altLang="en-US"/>
           </a:p>
@@ -458,7 +458,7 @@
           <a:p>
             <a:fld id="{65F8D415-7D22-DA4A-B0BE-C16EF89C99BF}" type="datetimeFigureOut">
               <a:rPr kumimoji="1" lang="ko-KR" altLang="en-US" smtClean="0"/>
-              <a:t>2025. 1. 25.</a:t>
+              <a:t>2025-02-07</a:t>
             </a:fld>
             <a:endParaRPr kumimoji="1" lang="ko-KR" altLang="en-US"/>
           </a:p>
@@ -666,7 +666,7 @@
           <a:p>
             <a:fld id="{65F8D415-7D22-DA4A-B0BE-C16EF89C99BF}" type="datetimeFigureOut">
               <a:rPr kumimoji="1" lang="ko-KR" altLang="en-US" smtClean="0"/>
-              <a:t>2025. 1. 25.</a:t>
+              <a:t>2025-02-07</a:t>
             </a:fld>
             <a:endParaRPr kumimoji="1" lang="ko-KR" altLang="en-US"/>
           </a:p>
@@ -864,7 +864,7 @@
           <a:p>
             <a:fld id="{65F8D415-7D22-DA4A-B0BE-C16EF89C99BF}" type="datetimeFigureOut">
               <a:rPr kumimoji="1" lang="ko-KR" altLang="en-US" smtClean="0"/>
-              <a:t>2025. 1. 25.</a:t>
+              <a:t>2025-02-07</a:t>
             </a:fld>
             <a:endParaRPr kumimoji="1" lang="ko-KR" altLang="en-US"/>
           </a:p>
@@ -1139,7 +1139,7 @@
           <a:p>
             <a:fld id="{65F8D415-7D22-DA4A-B0BE-C16EF89C99BF}" type="datetimeFigureOut">
               <a:rPr kumimoji="1" lang="ko-KR" altLang="en-US" smtClean="0"/>
-              <a:t>2025. 1. 25.</a:t>
+              <a:t>2025-02-07</a:t>
             </a:fld>
             <a:endParaRPr kumimoji="1" lang="ko-KR" altLang="en-US"/>
           </a:p>
@@ -1404,7 +1404,7 @@
           <a:p>
             <a:fld id="{65F8D415-7D22-DA4A-B0BE-C16EF89C99BF}" type="datetimeFigureOut">
               <a:rPr kumimoji="1" lang="ko-KR" altLang="en-US" smtClean="0"/>
-              <a:t>2025. 1. 25.</a:t>
+              <a:t>2025-02-07</a:t>
             </a:fld>
             <a:endParaRPr kumimoji="1" lang="ko-KR" altLang="en-US"/>
           </a:p>
@@ -1816,7 +1816,7 @@
           <a:p>
             <a:fld id="{65F8D415-7D22-DA4A-B0BE-C16EF89C99BF}" type="datetimeFigureOut">
               <a:rPr kumimoji="1" lang="ko-KR" altLang="en-US" smtClean="0"/>
-              <a:t>2025. 1. 25.</a:t>
+              <a:t>2025-02-07</a:t>
             </a:fld>
             <a:endParaRPr kumimoji="1" lang="ko-KR" altLang="en-US"/>
           </a:p>
@@ -1957,7 +1957,7 @@
           <a:p>
             <a:fld id="{65F8D415-7D22-DA4A-B0BE-C16EF89C99BF}" type="datetimeFigureOut">
               <a:rPr kumimoji="1" lang="ko-KR" altLang="en-US" smtClean="0"/>
-              <a:t>2025. 1. 25.</a:t>
+              <a:t>2025-02-07</a:t>
             </a:fld>
             <a:endParaRPr kumimoji="1" lang="ko-KR" altLang="en-US"/>
           </a:p>
@@ -2070,7 +2070,7 @@
           <a:p>
             <a:fld id="{65F8D415-7D22-DA4A-B0BE-C16EF89C99BF}" type="datetimeFigureOut">
               <a:rPr kumimoji="1" lang="ko-KR" altLang="en-US" smtClean="0"/>
-              <a:t>2025. 1. 25.</a:t>
+              <a:t>2025-02-07</a:t>
             </a:fld>
             <a:endParaRPr kumimoji="1" lang="ko-KR" altLang="en-US"/>
           </a:p>
@@ -2381,7 +2381,7 @@
           <a:p>
             <a:fld id="{65F8D415-7D22-DA4A-B0BE-C16EF89C99BF}" type="datetimeFigureOut">
               <a:rPr kumimoji="1" lang="ko-KR" altLang="en-US" smtClean="0"/>
-              <a:t>2025. 1. 25.</a:t>
+              <a:t>2025-02-07</a:t>
             </a:fld>
             <a:endParaRPr kumimoji="1" lang="ko-KR" altLang="en-US"/>
           </a:p>
@@ -2669,7 +2669,7 @@
           <a:p>
             <a:fld id="{65F8D415-7D22-DA4A-B0BE-C16EF89C99BF}" type="datetimeFigureOut">
               <a:rPr kumimoji="1" lang="ko-KR" altLang="en-US" smtClean="0"/>
-              <a:t>2025. 1. 25.</a:t>
+              <a:t>2025-02-07</a:t>
             </a:fld>
             <a:endParaRPr kumimoji="1" lang="ko-KR" altLang="en-US"/>
           </a:p>
@@ -2910,7 +2910,7 @@
           <a:p>
             <a:fld id="{65F8D415-7D22-DA4A-B0BE-C16EF89C99BF}" type="datetimeFigureOut">
               <a:rPr kumimoji="1" lang="ko-KR" altLang="en-US" smtClean="0"/>
-              <a:t>2025. 1. 25.</a:t>
+              <a:t>2025-02-07</a:t>
             </a:fld>
             <a:endParaRPr kumimoji="1" lang="ko-KR" altLang="en-US"/>
           </a:p>
@@ -3442,7 +3442,9 @@
           </a:xfrm>
         </p:spPr>
         <p:txBody>
-          <a:bodyPr/>
+          <a:bodyPr>
+            <a:normAutofit/>
+          </a:bodyPr>
           <a:lstStyle/>
           <a:p>
             <a:pPr marL="514350" indent="-514350">
@@ -3450,27 +3452,39 @@
               <a:buAutoNum type="arabicPeriod"/>
             </a:pPr>
             <a:r>
-              <a:rPr kumimoji="1" lang="ko-KR" altLang="en-US" dirty="0"/>
+              <a:rPr kumimoji="1" lang="ko-KR" altLang="en-US" sz="2400" dirty="0">
+                <a:latin typeface="+mj-lt"/>
+              </a:rPr>
               <a:t>불참 시</a:t>
             </a:r>
             <a:r>
-              <a:rPr kumimoji="1" lang="en-US" altLang="ko-KR" dirty="0"/>
+              <a:rPr kumimoji="1" lang="en-US" altLang="ko-KR" sz="2400" dirty="0">
+                <a:latin typeface="+mj-lt"/>
+              </a:rPr>
               <a:t>,</a:t>
             </a:r>
             <a:r>
-              <a:rPr kumimoji="1" lang="ko-KR" altLang="en-US" dirty="0"/>
+              <a:rPr kumimoji="1" lang="ko-KR" altLang="en-US" sz="2400" dirty="0">
+                <a:latin typeface="+mj-lt"/>
+              </a:rPr>
               <a:t> 스터디 시작전에 </a:t>
             </a:r>
             <a:r>
-              <a:rPr kumimoji="1" lang="ko-KR" altLang="en-US" dirty="0" err="1"/>
+              <a:rPr kumimoji="1" lang="ko-KR" altLang="en-US" sz="2400" dirty="0" err="1">
+                <a:latin typeface="+mj-lt"/>
+              </a:rPr>
               <a:t>카톡방에</a:t>
             </a:r>
             <a:r>
-              <a:rPr kumimoji="1" lang="ko-KR" altLang="en-US" dirty="0"/>
+              <a:rPr kumimoji="1" lang="ko-KR" altLang="en-US" sz="2400" dirty="0">
+                <a:latin typeface="+mj-lt"/>
+              </a:rPr>
               <a:t> 공지 한다</a:t>
             </a:r>
             <a:r>
-              <a:rPr kumimoji="1" lang="en-US" altLang="ko-KR" dirty="0"/>
+              <a:rPr kumimoji="1" lang="en-US" altLang="ko-KR" sz="2400" dirty="0">
+                <a:latin typeface="+mj-lt"/>
+              </a:rPr>
               <a:t>.</a:t>
             </a:r>
           </a:p>
@@ -3480,27 +3494,45 @@
               <a:buAutoNum type="arabicPeriod"/>
             </a:pPr>
             <a:r>
-              <a:rPr kumimoji="1" lang="en-US" altLang="ko-KR" dirty="0"/>
-              <a:t>Webex</a:t>
-            </a:r>
-            <a:r>
-              <a:rPr kumimoji="1" lang="ko-KR" altLang="en-US" dirty="0" err="1"/>
-              <a:t>에</a:t>
-            </a:r>
-            <a:r>
-              <a:rPr kumimoji="1" lang="ko-KR" altLang="en-US" dirty="0"/>
+              <a:rPr kumimoji="1" lang="en-US" altLang="ko-KR" sz="2400" dirty="0">
+                <a:latin typeface="+mj-lt"/>
+              </a:rPr>
+              <a:t>Webex </a:t>
+            </a:r>
+            <a:r>
+              <a:rPr kumimoji="1" lang="ko-KR" altLang="en-US" sz="2400" dirty="0">
+                <a:latin typeface="+mj-lt"/>
+              </a:rPr>
+              <a:t>및 </a:t>
+            </a:r>
+            <a:r>
+              <a:rPr kumimoji="1" lang="ko-KR" altLang="en-US" sz="2400" dirty="0" err="1">
+                <a:latin typeface="+mj-lt"/>
+              </a:rPr>
+              <a:t>카톡방에</a:t>
+            </a:r>
+            <a:r>
+              <a:rPr kumimoji="1" lang="ko-KR" altLang="en-US" sz="2400" dirty="0">
+                <a:latin typeface="+mj-lt"/>
+              </a:rPr>
               <a:t> 표시되는 이름은</a:t>
             </a:r>
             <a:r>
-              <a:rPr kumimoji="1" lang="en-US" altLang="ko-KR" dirty="0"/>
+              <a:rPr kumimoji="1" lang="en-US" altLang="ko-KR" sz="2400" dirty="0">
+                <a:latin typeface="+mj-lt"/>
+              </a:rPr>
               <a:t>,</a:t>
             </a:r>
             <a:r>
-              <a:rPr kumimoji="1" lang="ko-KR" altLang="en-US" dirty="0"/>
+              <a:rPr kumimoji="1" lang="ko-KR" altLang="en-US" sz="2400" dirty="0">
+                <a:latin typeface="+mj-lt"/>
+              </a:rPr>
               <a:t> 이름 혹은 닉네임을 이해할 수 있는 형식으로 작성한다</a:t>
             </a:r>
             <a:r>
-              <a:rPr kumimoji="1" lang="en-US" altLang="ko-KR" dirty="0"/>
+              <a:rPr kumimoji="1" lang="en-US" altLang="ko-KR" sz="2400" dirty="0">
+                <a:latin typeface="+mj-lt"/>
+              </a:rPr>
               <a:t>.</a:t>
             </a:r>
           </a:p>
@@ -3510,59 +3542,87 @@
               <a:buAutoNum type="arabicPeriod"/>
             </a:pPr>
             <a:r>
-              <a:rPr kumimoji="1" lang="ko-KR" altLang="en-US" dirty="0"/>
+              <a:rPr kumimoji="1" lang="ko-KR" altLang="en-US" sz="2400" dirty="0">
+                <a:latin typeface="+mj-lt"/>
+              </a:rPr>
               <a:t>발표자는</a:t>
             </a:r>
             <a:r>
-              <a:rPr kumimoji="1" lang="en-US" altLang="ko-KR" dirty="0"/>
+              <a:rPr kumimoji="1" lang="en-US" altLang="ko-KR" sz="2400" dirty="0">
+                <a:latin typeface="+mj-lt"/>
+              </a:rPr>
               <a:t>,</a:t>
             </a:r>
             <a:r>
-              <a:rPr kumimoji="1" lang="ko-KR" altLang="en-US" dirty="0"/>
+              <a:rPr kumimoji="1" lang="ko-KR" altLang="en-US" sz="2400" dirty="0">
+                <a:latin typeface="+mj-lt"/>
+              </a:rPr>
               <a:t> 발표자료를 스터디 시작전에 공유한다</a:t>
             </a:r>
             <a:r>
-              <a:rPr kumimoji="1" lang="en-US" altLang="ko-KR" dirty="0"/>
+              <a:rPr kumimoji="1" lang="en-US" altLang="ko-KR" sz="2400" dirty="0">
+                <a:latin typeface="+mj-lt"/>
+              </a:rPr>
               <a:t>.</a:t>
             </a:r>
             <a:r>
-              <a:rPr kumimoji="1" lang="ko-KR" altLang="en-US" dirty="0"/>
+              <a:rPr kumimoji="1" lang="ko-KR" altLang="en-US" sz="2400" dirty="0">
+                <a:latin typeface="+mj-lt"/>
+              </a:rPr>
               <a:t> </a:t>
             </a:r>
             <a:r>
-              <a:rPr kumimoji="1" lang="en-US" altLang="ko-KR" dirty="0"/>
+              <a:rPr kumimoji="1" lang="en-US" altLang="ko-KR" sz="2400" dirty="0">
+                <a:latin typeface="+mj-lt"/>
+              </a:rPr>
               <a:t>(</a:t>
             </a:r>
             <a:r>
-              <a:rPr kumimoji="1" lang="ko-KR" altLang="en-US" dirty="0"/>
+              <a:rPr kumimoji="1" lang="ko-KR" altLang="en-US" sz="2400" dirty="0">
+                <a:latin typeface="+mj-lt"/>
+              </a:rPr>
               <a:t>가능하면</a:t>
             </a:r>
             <a:r>
-              <a:rPr kumimoji="1" lang="en-US" altLang="ko-KR" dirty="0"/>
+              <a:rPr kumimoji="1" lang="en-US" altLang="ko-KR" sz="2400" dirty="0">
+                <a:latin typeface="+mj-lt"/>
+              </a:rPr>
               <a:t>,</a:t>
             </a:r>
             <a:r>
-              <a:rPr kumimoji="1" lang="ko-KR" altLang="en-US" dirty="0"/>
+              <a:rPr kumimoji="1" lang="ko-KR" altLang="en-US" sz="2400" dirty="0">
+                <a:latin typeface="+mj-lt"/>
+              </a:rPr>
               <a:t> </a:t>
             </a:r>
             <a:r>
-              <a:rPr kumimoji="1" lang="en-US" altLang="ko-KR" dirty="0" err="1"/>
+              <a:rPr kumimoji="1" lang="en-US" altLang="ko-KR" sz="2400" dirty="0" err="1">
+                <a:latin typeface="+mj-lt"/>
+              </a:rPr>
               <a:t>github</a:t>
             </a:r>
             <a:r>
-              <a:rPr kumimoji="1" lang="ko-KR" altLang="en-US" dirty="0" err="1"/>
+              <a:rPr kumimoji="1" lang="ko-KR" altLang="en-US" sz="2400" dirty="0" err="1">
+                <a:latin typeface="+mj-lt"/>
+              </a:rPr>
               <a:t>에</a:t>
             </a:r>
             <a:r>
-              <a:rPr kumimoji="1" lang="en-US" altLang="ko-KR" dirty="0"/>
+              <a:rPr kumimoji="1" lang="en-US" altLang="ko-KR" sz="2400" dirty="0">
+                <a:latin typeface="+mj-lt"/>
+              </a:rPr>
               <a:t> </a:t>
             </a:r>
             <a:r>
-              <a:rPr kumimoji="1" lang="ko-KR" altLang="en-US" dirty="0"/>
+              <a:rPr kumimoji="1" lang="ko-KR" altLang="en-US" sz="2400" dirty="0">
+                <a:latin typeface="+mj-lt"/>
+              </a:rPr>
               <a:t>링크 달기 형식</a:t>
             </a:r>
             <a:r>
-              <a:rPr kumimoji="1" lang="en-US" altLang="ko-KR" dirty="0"/>
+              <a:rPr kumimoji="1" lang="en-US" altLang="ko-KR" sz="2400" dirty="0">
+                <a:latin typeface="+mj-lt"/>
+              </a:rPr>
               <a:t>)</a:t>
             </a:r>
           </a:p>
@@ -3572,43 +3632,63 @@
               <a:buAutoNum type="arabicPeriod"/>
             </a:pPr>
             <a:r>
-              <a:rPr kumimoji="1" lang="en-US" altLang="ko-KR" dirty="0" err="1"/>
+              <a:rPr kumimoji="1" lang="en-US" altLang="ko-KR" sz="2000" dirty="0" err="1">
+                <a:latin typeface="+mj-lt"/>
+              </a:rPr>
               <a:t>github</a:t>
             </a:r>
             <a:r>
-              <a:rPr kumimoji="1" lang="en-US" altLang="ko-KR" dirty="0"/>
+              <a:rPr kumimoji="1" lang="en-US" altLang="ko-KR" sz="2000" dirty="0">
+                <a:latin typeface="+mj-lt"/>
+              </a:rPr>
               <a:t> </a:t>
             </a:r>
             <a:r>
-              <a:rPr kumimoji="1" lang="ko-KR" altLang="en-US" dirty="0"/>
+              <a:rPr kumimoji="1" lang="ko-KR" altLang="en-US" sz="2000" dirty="0">
+                <a:latin typeface="+mj-lt"/>
+              </a:rPr>
               <a:t>접근 권한은 리더에게 요청 한다</a:t>
             </a:r>
             <a:r>
-              <a:rPr kumimoji="1" lang="en-US" altLang="ko-KR" dirty="0"/>
+              <a:rPr kumimoji="1" lang="en-US" altLang="ko-KR" sz="2000" dirty="0">
+                <a:latin typeface="+mj-lt"/>
+              </a:rPr>
               <a:t>.</a:t>
             </a:r>
             <a:r>
-              <a:rPr kumimoji="1" lang="ko-KR" altLang="en-US" dirty="0"/>
+              <a:rPr kumimoji="1" lang="ko-KR" altLang="en-US" sz="2000" dirty="0">
+                <a:latin typeface="+mj-lt"/>
+              </a:rPr>
               <a:t> </a:t>
             </a:r>
             <a:r>
-              <a:rPr kumimoji="1" lang="en-US" altLang="ko-KR" dirty="0"/>
+              <a:rPr kumimoji="1" lang="en-US" altLang="ko-KR" sz="2000" dirty="0">
+                <a:latin typeface="+mj-lt"/>
+              </a:rPr>
               <a:t>(</a:t>
             </a:r>
             <a:r>
-              <a:rPr kumimoji="1" lang="en-US" altLang="ko-KR" dirty="0" err="1"/>
+              <a:rPr kumimoji="1" lang="en-US" altLang="ko-KR" sz="2000" dirty="0" err="1">
+                <a:latin typeface="+mj-lt"/>
+              </a:rPr>
               <a:t>gmail</a:t>
             </a:r>
             <a:r>
-              <a:rPr kumimoji="1" lang="en-US" altLang="ko-KR" dirty="0"/>
+              <a:rPr kumimoji="1" lang="en-US" altLang="ko-KR" sz="2000" dirty="0">
+                <a:latin typeface="+mj-lt"/>
+              </a:rPr>
               <a:t>  </a:t>
             </a:r>
             <a:r>
-              <a:rPr kumimoji="1" lang="ko-KR" altLang="en-US" dirty="0"/>
+              <a:rPr kumimoji="1" lang="ko-KR" altLang="en-US" sz="2000" dirty="0">
+                <a:latin typeface="+mj-lt"/>
+              </a:rPr>
               <a:t>주소 제공</a:t>
             </a:r>
             <a:r>
-              <a:rPr kumimoji="1" lang="en-US" altLang="ko-KR" dirty="0"/>
+              <a:rPr kumimoji="1" lang="en-US" altLang="ko-KR" sz="2000" dirty="0">
+                <a:latin typeface="+mj-lt"/>
+              </a:rPr>
               <a:t>)</a:t>
             </a:r>
           </a:p>
@@ -3618,19 +3698,27 @@
               <a:buAutoNum type="arabicPeriod"/>
             </a:pPr>
             <a:r>
-              <a:rPr kumimoji="1" lang="ko-KR" altLang="en-US" dirty="0"/>
+              <a:rPr kumimoji="1" lang="ko-KR" altLang="en-US" sz="2400" dirty="0">
+                <a:latin typeface="+mj-lt"/>
+              </a:rPr>
               <a:t>처음 참가자를 제외</a:t>
             </a:r>
             <a:r>
-              <a:rPr kumimoji="1" lang="en-US" altLang="ko-KR" dirty="0"/>
+              <a:rPr kumimoji="1" lang="en-US" altLang="ko-KR" sz="2400" dirty="0">
+                <a:latin typeface="+mj-lt"/>
+              </a:rPr>
               <a:t>,</a:t>
             </a:r>
             <a:r>
-              <a:rPr kumimoji="1" lang="ko-KR" altLang="en-US" dirty="0"/>
+              <a:rPr kumimoji="1" lang="ko-KR" altLang="en-US" sz="2400" dirty="0">
+                <a:latin typeface="+mj-lt"/>
+              </a:rPr>
               <a:t> 모든 참가자는 세션별로 최소 한번의 발표를 한다</a:t>
             </a:r>
             <a:r>
-              <a:rPr kumimoji="1" lang="en-US" altLang="ko-KR" dirty="0"/>
+              <a:rPr kumimoji="1" lang="en-US" altLang="ko-KR" sz="2400" dirty="0">
+                <a:latin typeface="+mj-lt"/>
+              </a:rPr>
               <a:t>.</a:t>
             </a:r>
           </a:p>
@@ -3640,11 +3728,15 @@
               <a:buAutoNum type="arabicPeriod"/>
             </a:pPr>
             <a:r>
-              <a:rPr kumimoji="1" lang="ko-KR" altLang="en-US" dirty="0"/>
+              <a:rPr kumimoji="1" lang="ko-KR" altLang="en-US" sz="2000" dirty="0">
+                <a:latin typeface="+mj-lt"/>
+              </a:rPr>
               <a:t>처음 참가자는 희망할 경우 발표 할 수 있다</a:t>
             </a:r>
             <a:r>
-              <a:rPr kumimoji="1" lang="en-US" altLang="ko-KR" dirty="0"/>
+              <a:rPr kumimoji="1" lang="en-US" altLang="ko-KR" sz="2000" dirty="0">
+                <a:latin typeface="+mj-lt"/>
+              </a:rPr>
               <a:t>.</a:t>
             </a:r>
           </a:p>
@@ -3654,11 +3746,15 @@
               <a:buAutoNum type="arabicPeriod"/>
             </a:pPr>
             <a:r>
-              <a:rPr kumimoji="1" lang="ko-KR" altLang="en-US" dirty="0"/>
+              <a:rPr kumimoji="1" lang="ko-KR" altLang="en-US" sz="2000" dirty="0">
+                <a:latin typeface="+mj-lt"/>
+              </a:rPr>
               <a:t>발표가 어려울 경우 사전에 양해를 구한다</a:t>
             </a:r>
             <a:r>
-              <a:rPr kumimoji="1" lang="en-US" altLang="ko-KR" dirty="0"/>
+              <a:rPr kumimoji="1" lang="en-US" altLang="ko-KR" sz="2000" dirty="0">
+                <a:latin typeface="+mj-lt"/>
+              </a:rPr>
               <a:t>.</a:t>
             </a:r>
           </a:p>
@@ -3668,19 +3764,27 @@
               <a:buAutoNum type="arabicPeriod"/>
             </a:pPr>
             <a:r>
-              <a:rPr kumimoji="1" lang="ko-KR" altLang="en-US" dirty="0"/>
-              <a:t>한 참가자의 동일 세션의 발표는 최대 </a:t>
-            </a:r>
-            <a:r>
-              <a:rPr kumimoji="1" lang="en-US" altLang="ko-KR" dirty="0"/>
-              <a:t>X</a:t>
-            </a:r>
-            <a:r>
-              <a:rPr kumimoji="1" lang="ko-KR" altLang="en-US" dirty="0"/>
+              <a:rPr kumimoji="1" lang="ko-KR" altLang="en-US" sz="2400" dirty="0">
+                <a:latin typeface="+mj-lt"/>
+              </a:rPr>
+              <a:t>한 참가자의 동일 세션의 연속 발표는 최대 </a:t>
+            </a:r>
+            <a:r>
+              <a:rPr kumimoji="1" lang="en-US" altLang="ko-KR" sz="2400" dirty="0">
+                <a:latin typeface="+mj-lt"/>
+              </a:rPr>
+              <a:t>2</a:t>
+            </a:r>
+            <a:r>
+              <a:rPr kumimoji="1" lang="ko-KR" altLang="en-US" sz="2400" dirty="0">
+                <a:latin typeface="+mj-lt"/>
+              </a:rPr>
               <a:t>번으로 한다</a:t>
             </a:r>
             <a:r>
-              <a:rPr kumimoji="1" lang="en-US" altLang="ko-KR" dirty="0"/>
+              <a:rPr kumimoji="1" lang="en-US" altLang="ko-KR" sz="2400" dirty="0">
+                <a:latin typeface="+mj-lt"/>
+              </a:rPr>
               <a:t>.</a:t>
             </a:r>
           </a:p>
